--- a/pictures/HEM_expand/HEM.pptx
+++ b/pictures/HEM_expand/HEM.pptx
@@ -107,6 +107,11 @@
       </a:defRPr>
     </a:lvl9pPr>
   </p:defaultTextStyle>
+  <p:extLst>
+    <p:ext uri="{EFAFB233-063F-42B5-8137-9DF3F51BA10A}">
+      <p15:sldGuideLst xmlns:p15="http://schemas.microsoft.com/office/powerpoint/2012/main"/>
+    </p:ext>
+  </p:extLst>
 </p:presentation>
 </file>
 
@@ -192,7 +197,7 @@
           <a:p>
             <a:fld id="{1310C905-E274-F147-B7E3-15734FF4993D}" type="datetimeFigureOut">
               <a:rPr kumimoji="1" lang="zh-CN" altLang="en-US" smtClean="0"/>
-              <a:t>2021/11/4</a:t>
+              <a:t>2022/5/28</a:t>
             </a:fld>
             <a:endParaRPr kumimoji="1" lang="zh-CN" altLang="en-US"/>
           </a:p>
@@ -679,7 +684,7 @@
           <a:p>
             <a:fld id="{05C8E58B-D684-9F4E-935E-D311B71F30B1}" type="datetimeFigureOut">
               <a:rPr kumimoji="1" lang="zh-CN" altLang="en-US" smtClean="0"/>
-              <a:t>2021/11/4</a:t>
+              <a:t>2022/5/28</a:t>
             </a:fld>
             <a:endParaRPr kumimoji="1" lang="zh-CN" altLang="en-US"/>
           </a:p>
@@ -849,7 +854,7 @@
           <a:p>
             <a:fld id="{05C8E58B-D684-9F4E-935E-D311B71F30B1}" type="datetimeFigureOut">
               <a:rPr kumimoji="1" lang="zh-CN" altLang="en-US" smtClean="0"/>
-              <a:t>2021/11/4</a:t>
+              <a:t>2022/5/28</a:t>
             </a:fld>
             <a:endParaRPr kumimoji="1" lang="zh-CN" altLang="en-US"/>
           </a:p>
@@ -1029,7 +1034,7 @@
           <a:p>
             <a:fld id="{05C8E58B-D684-9F4E-935E-D311B71F30B1}" type="datetimeFigureOut">
               <a:rPr kumimoji="1" lang="zh-CN" altLang="en-US" smtClean="0"/>
-              <a:t>2021/11/4</a:t>
+              <a:t>2022/5/28</a:t>
             </a:fld>
             <a:endParaRPr kumimoji="1" lang="zh-CN" altLang="en-US"/>
           </a:p>
@@ -1199,7 +1204,7 @@
           <a:p>
             <a:fld id="{05C8E58B-D684-9F4E-935E-D311B71F30B1}" type="datetimeFigureOut">
               <a:rPr kumimoji="1" lang="zh-CN" altLang="en-US" smtClean="0"/>
-              <a:t>2021/11/4</a:t>
+              <a:t>2022/5/28</a:t>
             </a:fld>
             <a:endParaRPr kumimoji="1" lang="zh-CN" altLang="en-US"/>
           </a:p>
@@ -1443,7 +1448,7 @@
           <a:p>
             <a:fld id="{05C8E58B-D684-9F4E-935E-D311B71F30B1}" type="datetimeFigureOut">
               <a:rPr kumimoji="1" lang="zh-CN" altLang="en-US" smtClean="0"/>
-              <a:t>2021/11/4</a:t>
+              <a:t>2022/5/28</a:t>
             </a:fld>
             <a:endParaRPr kumimoji="1" lang="zh-CN" altLang="en-US"/>
           </a:p>
@@ -1675,7 +1680,7 @@
           <a:p>
             <a:fld id="{05C8E58B-D684-9F4E-935E-D311B71F30B1}" type="datetimeFigureOut">
               <a:rPr kumimoji="1" lang="zh-CN" altLang="en-US" smtClean="0"/>
-              <a:t>2021/11/4</a:t>
+              <a:t>2022/5/28</a:t>
             </a:fld>
             <a:endParaRPr kumimoji="1" lang="zh-CN" altLang="en-US"/>
           </a:p>
@@ -2042,7 +2047,7 @@
           <a:p>
             <a:fld id="{05C8E58B-D684-9F4E-935E-D311B71F30B1}" type="datetimeFigureOut">
               <a:rPr kumimoji="1" lang="zh-CN" altLang="en-US" smtClean="0"/>
-              <a:t>2021/11/4</a:t>
+              <a:t>2022/5/28</a:t>
             </a:fld>
             <a:endParaRPr kumimoji="1" lang="zh-CN" altLang="en-US"/>
           </a:p>
@@ -2160,7 +2165,7 @@
           <a:p>
             <a:fld id="{05C8E58B-D684-9F4E-935E-D311B71F30B1}" type="datetimeFigureOut">
               <a:rPr kumimoji="1" lang="zh-CN" altLang="en-US" smtClean="0"/>
-              <a:t>2021/11/4</a:t>
+              <a:t>2022/5/28</a:t>
             </a:fld>
             <a:endParaRPr kumimoji="1" lang="zh-CN" altLang="en-US"/>
           </a:p>
@@ -2255,7 +2260,7 @@
           <a:p>
             <a:fld id="{05C8E58B-D684-9F4E-935E-D311B71F30B1}" type="datetimeFigureOut">
               <a:rPr kumimoji="1" lang="zh-CN" altLang="en-US" smtClean="0"/>
-              <a:t>2021/11/4</a:t>
+              <a:t>2022/5/28</a:t>
             </a:fld>
             <a:endParaRPr kumimoji="1" lang="zh-CN" altLang="en-US"/>
           </a:p>
@@ -2532,7 +2537,7 @@
           <a:p>
             <a:fld id="{05C8E58B-D684-9F4E-935E-D311B71F30B1}" type="datetimeFigureOut">
               <a:rPr kumimoji="1" lang="zh-CN" altLang="en-US" smtClean="0"/>
-              <a:t>2021/11/4</a:t>
+              <a:t>2022/5/28</a:t>
             </a:fld>
             <a:endParaRPr kumimoji="1" lang="zh-CN" altLang="en-US"/>
           </a:p>
@@ -2789,7 +2794,7 @@
           <a:p>
             <a:fld id="{05C8E58B-D684-9F4E-935E-D311B71F30B1}" type="datetimeFigureOut">
               <a:rPr kumimoji="1" lang="zh-CN" altLang="en-US" smtClean="0"/>
-              <a:t>2021/11/4</a:t>
+              <a:t>2022/5/28</a:t>
             </a:fld>
             <a:endParaRPr kumimoji="1" lang="zh-CN" altLang="en-US"/>
           </a:p>
@@ -3002,7 +3007,7 @@
           <a:p>
             <a:fld id="{05C8E58B-D684-9F4E-935E-D311B71F30B1}" type="datetimeFigureOut">
               <a:rPr kumimoji="1" lang="zh-CN" altLang="en-US" smtClean="0"/>
-              <a:t>2021/11/4</a:t>
+              <a:t>2022/5/28</a:t>
             </a:fld>
             <a:endParaRPr kumimoji="1" lang="zh-CN" altLang="en-US"/>
           </a:p>
@@ -7943,7 +7948,7 @@
         </p:nvSpPr>
         <p:spPr>
           <a:xfrm>
-            <a:off x="8044483" y="3881118"/>
+            <a:off x="8053034" y="3901455"/>
             <a:ext cx="158698" cy="215444"/>
           </a:xfrm>
           <a:prstGeom prst="rect">
@@ -7993,7 +7998,7 @@
         </p:nvSpPr>
         <p:spPr>
           <a:xfrm>
-            <a:off x="7959308" y="3814957"/>
+            <a:off x="7957595" y="3839023"/>
             <a:ext cx="308903" cy="308888"/>
           </a:xfrm>
           <a:prstGeom prst="can">
@@ -8040,8 +8045,8 @@
         </p:nvSpPr>
         <p:spPr>
           <a:xfrm>
-            <a:off x="8434878" y="1799509"/>
-            <a:ext cx="182742" cy="246221"/>
+            <a:off x="8430052" y="1800984"/>
+            <a:ext cx="158698" cy="215444"/>
           </a:xfrm>
           <a:prstGeom prst="rect">
             <a:avLst/>
@@ -8056,20 +8061,20 @@
           <a:p>
             <a:pPr algn="ctr"/>
             <a:r>
-              <a:rPr kumimoji="1" lang="en-US" altLang="zh-CN" sz="1600" dirty="0">
+              <a:rPr kumimoji="1" lang="en-US" altLang="zh-CN" sz="1400" dirty="0">
                 <a:latin typeface="Times New Roman" panose="02020603050405020304" pitchFamily="18" charset="0"/>
                 <a:cs typeface="Times New Roman" panose="02020603050405020304" pitchFamily="18" charset="0"/>
               </a:rPr>
               <a:t>S</a:t>
             </a:r>
             <a:r>
-              <a:rPr kumimoji="1" lang="en-US" altLang="zh-CN" sz="1600" baseline="-25000" dirty="0">
+              <a:rPr kumimoji="1" lang="en-US" altLang="zh-CN" sz="1400" baseline="-25000" dirty="0">
                 <a:latin typeface="Times New Roman" panose="02020603050405020304" pitchFamily="18" charset="0"/>
                 <a:cs typeface="Times New Roman" panose="02020603050405020304" pitchFamily="18" charset="0"/>
               </a:rPr>
               <a:t>1</a:t>
             </a:r>
-            <a:endParaRPr kumimoji="1" lang="zh-CN" altLang="en-US" sz="1600" baseline="-25000" dirty="0">
+            <a:endParaRPr kumimoji="1" lang="zh-CN" altLang="en-US" sz="1400" baseline="-25000" dirty="0">
               <a:latin typeface="Times New Roman" panose="02020603050405020304" pitchFamily="18" charset="0"/>
               <a:cs typeface="Times New Roman" panose="02020603050405020304" pitchFamily="18" charset="0"/>
             </a:endParaRPr>
@@ -8090,7 +8095,7 @@
         </p:nvSpPr>
         <p:spPr>
           <a:xfrm>
-            <a:off x="8361725" y="1748735"/>
+            <a:off x="8343123" y="1742032"/>
             <a:ext cx="308903" cy="308888"/>
           </a:xfrm>
           <a:prstGeom prst="can">
@@ -11593,7 +11598,7 @@
         </p:nvSpPr>
         <p:spPr>
           <a:xfrm>
-            <a:off x="4221587" y="1817857"/>
+            <a:off x="4196209" y="1803250"/>
             <a:ext cx="158698" cy="215444"/>
           </a:xfrm>
           <a:prstGeom prst="rect">
@@ -11643,7 +11648,7 @@
         </p:nvSpPr>
         <p:spPr>
           <a:xfrm>
-            <a:off x="4136412" y="1751696"/>
+            <a:off x="4112941" y="1746981"/>
             <a:ext cx="308903" cy="308888"/>
           </a:xfrm>
           <a:prstGeom prst="can">
@@ -11690,7 +11695,7 @@
         </p:nvSpPr>
         <p:spPr>
           <a:xfrm>
-            <a:off x="2736447" y="3888744"/>
+            <a:off x="2720859" y="3905910"/>
             <a:ext cx="158698" cy="215444"/>
           </a:xfrm>
           <a:prstGeom prst="rect">
@@ -11740,7 +11745,7 @@
         </p:nvSpPr>
         <p:spPr>
           <a:xfrm>
-            <a:off x="2651272" y="3822583"/>
+            <a:off x="2646131" y="3836047"/>
             <a:ext cx="308903" cy="308888"/>
           </a:xfrm>
           <a:prstGeom prst="can">
@@ -11787,7 +11792,7 @@
         </p:nvSpPr>
         <p:spPr>
           <a:xfrm>
-            <a:off x="6492810" y="3883793"/>
+            <a:off x="6478643" y="3908081"/>
             <a:ext cx="158698" cy="215444"/>
           </a:xfrm>
           <a:prstGeom prst="rect">
@@ -11837,7 +11842,7 @@
         </p:nvSpPr>
         <p:spPr>
           <a:xfrm>
-            <a:off x="6407635" y="3817632"/>
+            <a:off x="6387521" y="3839121"/>
             <a:ext cx="308903" cy="308888"/>
           </a:xfrm>
           <a:prstGeom prst="can">
@@ -11884,7 +11889,7 @@
         </p:nvSpPr>
         <p:spPr>
           <a:xfrm>
-            <a:off x="4937207" y="3881118"/>
+            <a:off x="4930987" y="3895732"/>
             <a:ext cx="158698" cy="215444"/>
           </a:xfrm>
           <a:prstGeom prst="rect">
@@ -11934,7 +11939,7 @@
         </p:nvSpPr>
         <p:spPr>
           <a:xfrm>
-            <a:off x="4852032" y="3814957"/>
+            <a:off x="4843838" y="3833642"/>
             <a:ext cx="308903" cy="308888"/>
           </a:xfrm>
           <a:prstGeom prst="can">
@@ -11981,7 +11986,7 @@
         </p:nvSpPr>
         <p:spPr>
           <a:xfrm>
-            <a:off x="7270644" y="1816525"/>
+            <a:off x="7297879" y="1803250"/>
             <a:ext cx="158698" cy="215444"/>
           </a:xfrm>
           <a:prstGeom prst="rect">
@@ -12031,7 +12036,7 @@
         </p:nvSpPr>
         <p:spPr>
           <a:xfrm>
-            <a:off x="7185469" y="1750364"/>
+            <a:off x="7204067" y="1741196"/>
             <a:ext cx="308903" cy="308888"/>
           </a:xfrm>
           <a:prstGeom prst="can">
@@ -12128,7 +12133,7 @@
         </p:nvSpPr>
         <p:spPr>
           <a:xfrm>
-            <a:off x="6786287" y="1742032"/>
+            <a:off x="6784688" y="1742032"/>
             <a:ext cx="308903" cy="308888"/>
           </a:xfrm>
           <a:prstGeom prst="can">
@@ -16644,8 +16649,8 @@
         </p:nvSpPr>
         <p:spPr>
           <a:xfrm>
-            <a:off x="8053034" y="6081190"/>
-            <a:ext cx="182742" cy="246221"/>
+            <a:off x="8065056" y="6096578"/>
+            <a:ext cx="158698" cy="215444"/>
           </a:xfrm>
           <a:prstGeom prst="rect">
             <a:avLst/>
@@ -16660,20 +16665,20 @@
           <a:p>
             <a:pPr algn="ctr"/>
             <a:r>
-              <a:rPr kumimoji="1" lang="en-US" altLang="zh-CN" sz="1600" dirty="0">
+              <a:rPr kumimoji="1" lang="en-US" altLang="zh-CN" sz="1400" dirty="0">
                 <a:latin typeface="Times New Roman" panose="02020603050405020304" pitchFamily="18" charset="0"/>
                 <a:cs typeface="Times New Roman" panose="02020603050405020304" pitchFamily="18" charset="0"/>
               </a:rPr>
               <a:t>S</a:t>
             </a:r>
             <a:r>
-              <a:rPr kumimoji="1" lang="en-US" altLang="zh-CN" sz="1600" baseline="-25000" dirty="0">
+              <a:rPr kumimoji="1" lang="en-US" altLang="zh-CN" sz="1400" baseline="-25000" dirty="0">
                 <a:latin typeface="Times New Roman" panose="02020603050405020304" pitchFamily="18" charset="0"/>
                 <a:cs typeface="Times New Roman" panose="02020603050405020304" pitchFamily="18" charset="0"/>
               </a:rPr>
               <a:t>1</a:t>
             </a:r>
-            <a:endParaRPr kumimoji="1" lang="zh-CN" altLang="en-US" sz="1600" baseline="-25000" dirty="0">
+            <a:endParaRPr kumimoji="1" lang="zh-CN" altLang="en-US" sz="1400" baseline="-25000" dirty="0">
               <a:latin typeface="Times New Roman" panose="02020603050405020304" pitchFamily="18" charset="0"/>
               <a:cs typeface="Times New Roman" panose="02020603050405020304" pitchFamily="18" charset="0"/>
             </a:endParaRPr>
@@ -16694,7 +16699,7 @@
         </p:nvSpPr>
         <p:spPr>
           <a:xfrm>
-            <a:off x="7979881" y="6030416"/>
+            <a:off x="7965206" y="6028266"/>
             <a:ext cx="308903" cy="308888"/>
           </a:xfrm>
           <a:prstGeom prst="can">
@@ -20344,7 +20349,7 @@
         </p:nvSpPr>
         <p:spPr>
           <a:xfrm>
-            <a:off x="2998428" y="8099146"/>
+            <a:off x="3006135" y="8111787"/>
             <a:ext cx="308903" cy="308888"/>
           </a:xfrm>
           <a:prstGeom prst="can">
@@ -20391,7 +20396,7 @@
         </p:nvSpPr>
         <p:spPr>
           <a:xfrm>
-            <a:off x="5780731" y="8171336"/>
+            <a:off x="5768663" y="8182664"/>
             <a:ext cx="158698" cy="215444"/>
           </a:xfrm>
           <a:prstGeom prst="rect">
@@ -20441,7 +20446,7 @@
         </p:nvSpPr>
         <p:spPr>
           <a:xfrm>
-            <a:off x="5695556" y="8105175"/>
+            <a:off x="5681273" y="8125719"/>
             <a:ext cx="308903" cy="308888"/>
           </a:xfrm>
           <a:prstGeom prst="can">
@@ -20488,7 +20493,7 @@
         </p:nvSpPr>
         <p:spPr>
           <a:xfrm>
-            <a:off x="4949033" y="8168661"/>
+            <a:off x="4950424" y="8181397"/>
             <a:ext cx="158698" cy="215444"/>
           </a:xfrm>
           <a:prstGeom prst="rect">
@@ -20538,7 +20543,7 @@
         </p:nvSpPr>
         <p:spPr>
           <a:xfrm>
-            <a:off x="4863858" y="8102500"/>
+            <a:off x="4860693" y="8125946"/>
             <a:ext cx="308903" cy="308888"/>
           </a:xfrm>
           <a:prstGeom prst="can">
@@ -20635,7 +20640,7 @@
         </p:nvSpPr>
         <p:spPr>
           <a:xfrm>
-            <a:off x="6822193" y="6043769"/>
+            <a:off x="6806181" y="6039163"/>
             <a:ext cx="308903" cy="308888"/>
           </a:xfrm>
           <a:prstGeom prst="can">
@@ -20732,7 +20737,7 @@
         </p:nvSpPr>
         <p:spPr>
           <a:xfrm>
-            <a:off x="6066318" y="6035436"/>
+            <a:off x="6049541" y="6039163"/>
             <a:ext cx="308903" cy="308888"/>
           </a:xfrm>
           <a:prstGeom prst="can">
